--- a/Thermometer Project.pptx
+++ b/Thermometer Project.pptx
@@ -4617,7 +4617,7 @@
         </p:nvSpPr>
         <p:spPr>
           <a:xfrm>
-            <a:off x="5714999" y="3105978"/>
+            <a:off x="5764778" y="2772701"/>
             <a:ext cx="4855139" cy="2943966"/>
           </a:xfrm>
         </p:spPr>
@@ -4664,7 +4664,7 @@
         </p:blipFill>
         <p:spPr bwMode="auto">
           <a:xfrm>
-            <a:off x="1099006" y="2947165"/>
+            <a:off x="1164263" y="2315872"/>
             <a:ext cx="2295525" cy="3857625"/>
           </a:xfrm>
           <a:prstGeom prst="rect">
@@ -4711,7 +4711,7 @@
         </p:blipFill>
         <p:spPr bwMode="auto">
           <a:xfrm>
-            <a:off x="3464520" y="2947165"/>
+            <a:off x="3459788" y="2315872"/>
             <a:ext cx="2304990" cy="3857625"/>
           </a:xfrm>
           <a:prstGeom prst="rect">
@@ -4743,7 +4743,7 @@
         </p:nvSpPr>
         <p:spPr>
           <a:xfrm>
-            <a:off x="1099006" y="2665677"/>
+            <a:off x="1094274" y="6173497"/>
             <a:ext cx="4670504" cy="507831"/>
           </a:xfrm>
           <a:prstGeom prst="rect">
@@ -4980,7 +4980,7 @@
                 <a:effectLst/>
                 <a:latin typeface="Arial" panose="020B0604020202020204" pitchFamily="34" charset="0"/>
               </a:rPr>
-              <a:t>A problem that can occur is that the LED will dimly light up even when the temperature is too low.</a:t>
+              <a:t>A problem that can occur is that the LED will dimly light up even when the temperature of the thermistor is too low.</a:t>
             </a:r>
             <a:endParaRPr lang="en-US" sz="1800" dirty="0">
               <a:latin typeface="Arial" panose="020B0604020202020204" pitchFamily="34" charset="0"/>
@@ -5083,7 +5083,6 @@
               </a:rPr>
               <a:t>This will allow for more accurate and consistent readings especially at the higher temperatures as the resistance change between higher temperatures fall as low as 0.9Ω.</a:t>
             </a:r>
-            <a:endParaRPr lang="en-IE" dirty="0"/>
           </a:p>
         </p:txBody>
       </p:sp>
@@ -5186,7 +5185,7 @@
                 <a:effectLst/>
                 <a:latin typeface="Arial" panose="020B0604020202020204" pitchFamily="34" charset="0"/>
               </a:rPr>
-              <a:t>t is possible to display it in a circuit using LEDs by using Ohms law and resistors in series. </a:t>
+              <a:t>t is possible to display it in a circuit using LEDs by using Ohms law and resistors. </a:t>
             </a:r>
             <a:endParaRPr lang="en-IE" dirty="0"/>
           </a:p>
